--- a/EDA.pptx
+++ b/EDA.pptx
@@ -109,6 +109,11 @@
       </a:defRPr>
     </a:lvl9pPr>
   </p:defaultTextStyle>
+  <p:extLst>
+    <p:ext uri="{EFAFB233-063F-42B5-8137-9DF3F51BA10A}">
+      <p15:sldGuideLst xmlns:p15="http://schemas.microsoft.com/office/powerpoint/2012/main"/>
+    </p:ext>
+  </p:extLst>
 </p:presentation>
 </file>
 
@@ -6325,7 +6330,7 @@
           <a:p>
             <a:fld id="{BB731150-D84D-41D4-AE2A-A82BFA73B949}" type="datetimeFigureOut">
               <a:rPr lang="en-IN" smtClean="0"/>
-              <a:t>28-08-2021</a:t>
+              <a:t>23-10-2021</a:t>
             </a:fld>
             <a:endParaRPr lang="en-IN"/>
           </a:p>
@@ -6525,7 +6530,7 @@
           <a:p>
             <a:fld id="{BB731150-D84D-41D4-AE2A-A82BFA73B949}" type="datetimeFigureOut">
               <a:rPr lang="en-IN" smtClean="0"/>
-              <a:t>28-08-2021</a:t>
+              <a:t>23-10-2021</a:t>
             </a:fld>
             <a:endParaRPr lang="en-IN"/>
           </a:p>
@@ -6735,7 +6740,7 @@
           <a:p>
             <a:fld id="{BB731150-D84D-41D4-AE2A-A82BFA73B949}" type="datetimeFigureOut">
               <a:rPr lang="en-IN" smtClean="0"/>
-              <a:t>28-08-2021</a:t>
+              <a:t>23-10-2021</a:t>
             </a:fld>
             <a:endParaRPr lang="en-IN"/>
           </a:p>
@@ -6935,7 +6940,7 @@
           <a:p>
             <a:fld id="{BB731150-D84D-41D4-AE2A-A82BFA73B949}" type="datetimeFigureOut">
               <a:rPr lang="en-IN" smtClean="0"/>
-              <a:t>28-08-2021</a:t>
+              <a:t>23-10-2021</a:t>
             </a:fld>
             <a:endParaRPr lang="en-IN"/>
           </a:p>
@@ -7211,7 +7216,7 @@
           <a:p>
             <a:fld id="{BB731150-D84D-41D4-AE2A-A82BFA73B949}" type="datetimeFigureOut">
               <a:rPr lang="en-IN" smtClean="0"/>
-              <a:t>28-08-2021</a:t>
+              <a:t>23-10-2021</a:t>
             </a:fld>
             <a:endParaRPr lang="en-IN"/>
           </a:p>
@@ -7479,7 +7484,7 @@
           <a:p>
             <a:fld id="{BB731150-D84D-41D4-AE2A-A82BFA73B949}" type="datetimeFigureOut">
               <a:rPr lang="en-IN" smtClean="0"/>
-              <a:t>28-08-2021</a:t>
+              <a:t>23-10-2021</a:t>
             </a:fld>
             <a:endParaRPr lang="en-IN"/>
           </a:p>
@@ -7894,7 +7899,7 @@
           <a:p>
             <a:fld id="{BB731150-D84D-41D4-AE2A-A82BFA73B949}" type="datetimeFigureOut">
               <a:rPr lang="en-IN" smtClean="0"/>
-              <a:t>28-08-2021</a:t>
+              <a:t>23-10-2021</a:t>
             </a:fld>
             <a:endParaRPr lang="en-IN"/>
           </a:p>
@@ -8036,7 +8041,7 @@
           <a:p>
             <a:fld id="{BB731150-D84D-41D4-AE2A-A82BFA73B949}" type="datetimeFigureOut">
               <a:rPr lang="en-IN" smtClean="0"/>
-              <a:t>28-08-2021</a:t>
+              <a:t>23-10-2021</a:t>
             </a:fld>
             <a:endParaRPr lang="en-IN"/>
           </a:p>
@@ -8149,7 +8154,7 @@
           <a:p>
             <a:fld id="{BB731150-D84D-41D4-AE2A-A82BFA73B949}" type="datetimeFigureOut">
               <a:rPr lang="en-IN" smtClean="0"/>
-              <a:t>28-08-2021</a:t>
+              <a:t>23-10-2021</a:t>
             </a:fld>
             <a:endParaRPr lang="en-IN"/>
           </a:p>
@@ -8462,7 +8467,7 @@
           <a:p>
             <a:fld id="{BB731150-D84D-41D4-AE2A-A82BFA73B949}" type="datetimeFigureOut">
               <a:rPr lang="en-IN" smtClean="0"/>
-              <a:t>28-08-2021</a:t>
+              <a:t>23-10-2021</a:t>
             </a:fld>
             <a:endParaRPr lang="en-IN"/>
           </a:p>
@@ -8751,7 +8756,7 @@
           <a:p>
             <a:fld id="{BB731150-D84D-41D4-AE2A-A82BFA73B949}" type="datetimeFigureOut">
               <a:rPr lang="en-IN" smtClean="0"/>
-              <a:t>28-08-2021</a:t>
+              <a:t>23-10-2021</a:t>
             </a:fld>
             <a:endParaRPr lang="en-IN"/>
           </a:p>
@@ -8994,7 +8999,7 @@
           <a:p>
             <a:fld id="{BB731150-D84D-41D4-AE2A-A82BFA73B949}" type="datetimeFigureOut">
               <a:rPr lang="en-IN" smtClean="0"/>
-              <a:t>28-08-2021</a:t>
+              <a:t>23-10-2021</a:t>
             </a:fld>
             <a:endParaRPr lang="en-IN"/>
           </a:p>
